--- a/Presentaciones/02. Características del Lenguaje C#.pptx
+++ b/Presentaciones/02. Características del Lenguaje C#.pptx
@@ -5,10 +5,10 @@
     <p:sldMasterId id="2147483654" r:id="rId1"/>
   </p:sldMasterIdLst>
   <p:notesMasterIdLst>
-    <p:notesMasterId r:id="rId35"/>
+    <p:notesMasterId r:id="rId37"/>
   </p:notesMasterIdLst>
   <p:handoutMasterIdLst>
-    <p:handoutMasterId r:id="rId36"/>
+    <p:handoutMasterId r:id="rId38"/>
   </p:handoutMasterIdLst>
   <p:sldIdLst>
     <p:sldId id="256" r:id="rId2"/>
@@ -43,7 +43,9 @@
     <p:sldId id="279" r:id="rId31"/>
     <p:sldId id="280" r:id="rId32"/>
     <p:sldId id="281" r:id="rId33"/>
-    <p:sldId id="283" r:id="rId34"/>
+    <p:sldId id="290" r:id="rId34"/>
+    <p:sldId id="291" r:id="rId35"/>
+    <p:sldId id="283" r:id="rId36"/>
   </p:sldIdLst>
   <p:sldSz cx="9144000" cy="6858000" type="screen4x3"/>
   <p:notesSz cx="6858000" cy="9144000"/>
@@ -258,7 +260,7 @@
             <a:fld id="{9EDD97AB-8915-4450-BB4D-ADC3317B43DD}" type="datetimeFigureOut">
               <a:rPr lang="es-AR" smtClean="0"/>
               <a:pPr/>
-              <a:t>24/03/2014</a:t>
+              <a:t>29/03/2014</a:t>
             </a:fld>
             <a:endParaRPr lang="es-AR"/>
           </a:p>
@@ -425,7 +427,7 @@
             <a:fld id="{747A4859-E260-4AFA-8974-05D8619D18C8}" type="datetimeFigureOut">
               <a:rPr lang="es-AR" smtClean="0"/>
               <a:pPr/>
-              <a:t>24/03/2014</a:t>
+              <a:t>29/03/2014</a:t>
             </a:fld>
             <a:endParaRPr lang="es-AR"/>
           </a:p>
@@ -2739,7 +2741,7 @@
             <a:fld id="{E47DC3D2-05E0-45A3-BCA8-C3C21CA5BF77}" type="slidenum">
               <a:rPr lang="es-AR" smtClean="0"/>
               <a:pPr/>
-              <a:t>33</a:t>
+              <a:t>35</a:t>
             </a:fld>
             <a:endParaRPr lang="es-AR"/>
           </a:p>
@@ -5080,7 +5082,7 @@
           <a:p>
             <a:fld id="{D837C3BD-9B2E-48F2-9095-8EF3CFEAA59F}" type="datetime1">
               <a:rPr lang="es-ES" smtClean="0"/>
-              <a:t>24/03/2014</a:t>
+              <a:t>29/03/2014</a:t>
             </a:fld>
             <a:endParaRPr lang="es-ES"/>
           </a:p>
@@ -5235,7 +5237,7 @@
           <a:p>
             <a:fld id="{C6C622FA-AF83-496D-85CF-53DD47FDD18C}" type="datetime1">
               <a:rPr lang="es-ES" smtClean="0"/>
-              <a:t>24/03/2014</a:t>
+              <a:t>29/03/2014</a:t>
             </a:fld>
             <a:endParaRPr lang="es-ES"/>
           </a:p>
@@ -5609,7 +5611,7 @@
           <a:p>
             <a:fld id="{BCB2535B-4B85-49C3-8870-70A7B8C54D76}" type="datetime1">
               <a:rPr lang="es-ES" smtClean="0"/>
-              <a:t>24/03/2014</a:t>
+              <a:t>29/03/2014</a:t>
             </a:fld>
             <a:endParaRPr lang="es-AR"/>
           </a:p>
@@ -5766,7 +5768,7 @@
           <a:p>
             <a:fld id="{100AD3AA-E9AE-4916-95E5-B71FD8606470}" type="datetime1">
               <a:rPr lang="es-ES" smtClean="0"/>
-              <a:t>24/03/2014</a:t>
+              <a:t>29/03/2014</a:t>
             </a:fld>
             <a:endParaRPr lang="es-AR"/>
           </a:p>
@@ -7541,7 +7543,7 @@
           <a:p>
             <a:fld id="{7213E5B6-A449-47E6-AD12-BB21C8C5B351}" type="datetime1">
               <a:rPr lang="es-ES" smtClean="0"/>
-              <a:t>24/03/2014</a:t>
+              <a:t>29/03/2014</a:t>
             </a:fld>
             <a:endParaRPr lang="es-ES"/>
           </a:p>
@@ -8205,7 +8207,7 @@
           <a:p>
             <a:fld id="{303F5042-A750-4659-8839-DCB15334682D}" type="datetime1">
               <a:rPr lang="es-ES" smtClean="0"/>
-              <a:t>24/03/2014</a:t>
+              <a:t>29/03/2014</a:t>
             </a:fld>
             <a:endParaRPr lang="es-AR"/>
           </a:p>
@@ -8411,7 +8413,7 @@
           <a:p>
             <a:fld id="{8B84657F-FF95-4C6D-8666-09D4F81BD2B8}" type="datetime1">
               <a:rPr lang="es-ES" smtClean="0"/>
-              <a:t>24/03/2014</a:t>
+              <a:t>29/03/2014</a:t>
             </a:fld>
             <a:endParaRPr lang="es-AR"/>
           </a:p>
@@ -8847,7 +8849,7 @@
           <a:p>
             <a:fld id="{CF8F1886-F23B-46E9-B1E3-A764C927E75F}" type="datetime1">
               <a:rPr lang="es-ES" smtClean="0"/>
-              <a:t>24/03/2014</a:t>
+              <a:t>29/03/2014</a:t>
             </a:fld>
             <a:endParaRPr lang="es-AR"/>
           </a:p>
@@ -9439,7 +9441,7 @@
           <a:p>
             <a:fld id="{5D7F323D-B14E-4A33-8BAF-7351C8C36785}" type="datetime1">
               <a:rPr lang="es-ES" smtClean="0"/>
-              <a:t>24/03/2014</a:t>
+              <a:t>29/03/2014</a:t>
             </a:fld>
             <a:endParaRPr lang="es-AR"/>
           </a:p>
@@ -9793,7 +9795,7 @@
           <a:p>
             <a:fld id="{8F38F8F4-E31E-4722-90FE-76E865B7481C}" type="datetime1">
               <a:rPr lang="es-ES" smtClean="0"/>
-              <a:t>24/03/2014</a:t>
+              <a:t>29/03/2014</a:t>
             </a:fld>
             <a:endParaRPr lang="es-AR"/>
           </a:p>
@@ -10062,7 +10064,7 @@
           <a:p>
             <a:fld id="{C2B9C6C8-5297-4E8D-9DCA-4E74EB572863}" type="datetime1">
               <a:rPr lang="es-ES" smtClean="0"/>
-              <a:t>24/03/2014</a:t>
+              <a:t>29/03/2014</a:t>
             </a:fld>
             <a:endParaRPr lang="es-AR"/>
           </a:p>
@@ -10245,7 +10247,7 @@
           <a:p>
             <a:fld id="{6B506FA7-6BE6-4BDF-BB78-244A1B1564D4}" type="datetime1">
               <a:rPr lang="es-ES" smtClean="0"/>
-              <a:t>24/03/2014</a:t>
+              <a:t>29/03/2014</a:t>
             </a:fld>
             <a:endParaRPr lang="es-AR"/>
           </a:p>
@@ -10678,7 +10680,7 @@
           <a:p>
             <a:fld id="{74AE0577-5487-49EC-82DB-C604529E1DED}" type="datetime1">
               <a:rPr lang="es-ES" smtClean="0"/>
-              <a:t>24/03/2014</a:t>
+              <a:t>29/03/2014</a:t>
             </a:fld>
             <a:endParaRPr lang="es-AR"/>
           </a:p>
@@ -10983,7 +10985,7 @@
           <a:p>
             <a:fld id="{63FF8CD1-5087-49A7-9D44-F9A8A226716D}" type="datetime1">
               <a:rPr lang="es-ES" smtClean="0"/>
-              <a:t>24/03/2014</a:t>
+              <a:t>29/03/2014</a:t>
             </a:fld>
             <a:endParaRPr lang="es-AR"/>
           </a:p>
@@ -11760,7 +11762,7 @@
           <a:p>
             <a:fld id="{9481C012-DF9F-4711-B727-C3E460FEA218}" type="datetime1">
               <a:rPr lang="es-ES" smtClean="0"/>
-              <a:t>24/03/2014</a:t>
+              <a:t>29/03/2014</a:t>
             </a:fld>
             <a:endParaRPr lang="es-AR"/>
           </a:p>
@@ -12654,7 +12656,7 @@
           <a:p>
             <a:fld id="{D74803BD-8545-4904-B322-B5DB0A205166}" type="datetime1">
               <a:rPr lang="es-ES" smtClean="0"/>
-              <a:t>24/03/2014</a:t>
+              <a:t>29/03/2014</a:t>
             </a:fld>
             <a:endParaRPr lang="es-AR"/>
           </a:p>
@@ -12825,7 +12827,7 @@
           <a:p>
             <a:fld id="{3B5C7ECE-173C-4892-846E-F2008894958E}" type="datetime1">
               <a:rPr lang="es-ES" smtClean="0"/>
-              <a:t>24/03/2014</a:t>
+              <a:t>29/03/2014</a:t>
             </a:fld>
             <a:endParaRPr lang="es-AR"/>
           </a:p>
@@ -13199,7 +13201,7 @@
           <a:p>
             <a:fld id="{DE76FC08-44C8-4222-9B87-2BA280302235}" type="datetime1">
               <a:rPr lang="es-ES" smtClean="0"/>
-              <a:t>24/03/2014</a:t>
+              <a:t>29/03/2014</a:t>
             </a:fld>
             <a:endParaRPr lang="es-AR"/>
           </a:p>
@@ -13492,11 +13494,7 @@
           <a:p>
             <a:r>
               <a:rPr lang="es-AR" sz="1050" dirty="0" smtClean="0"/>
-              <a:t>10</a:t>
-            </a:r>
-            <a:r>
-              <a:rPr lang="es-AR" sz="1050" dirty="0" smtClean="0"/>
-              <a:t>. </a:t>
+              <a:t>10. </a:t>
             </a:r>
             <a:r>
               <a:rPr lang="es-AR" sz="1050" dirty="0"/>
@@ -13937,7 +13935,7 @@
           <a:p>
             <a:fld id="{15CCCD02-DA69-46A8-9B3E-3B817704A49E}" type="datetime1">
               <a:rPr lang="es-ES" smtClean="0"/>
-              <a:t>24/03/2014</a:t>
+              <a:t>29/03/2014</a:t>
             </a:fld>
             <a:endParaRPr lang="es-AR"/>
           </a:p>
@@ -14018,11 +14016,7 @@
           <a:p>
             <a:r>
               <a:rPr lang="es-AR" sz="1050" dirty="0" smtClean="0"/>
-              <a:t>10</a:t>
-            </a:r>
-            <a:r>
-              <a:rPr lang="es-AR" sz="1050" dirty="0" smtClean="0"/>
-              <a:t>. </a:t>
+              <a:t>10. </a:t>
             </a:r>
             <a:r>
               <a:rPr lang="es-AR" sz="1050" dirty="0"/>
@@ -14740,7 +14734,7 @@
           <a:p>
             <a:fld id="{FBD1D584-3EBC-47A7-B093-9981336484B2}" type="datetime1">
               <a:rPr lang="es-ES" smtClean="0"/>
-              <a:t>24/03/2014</a:t>
+              <a:t>29/03/2014</a:t>
             </a:fld>
             <a:endParaRPr lang="es-AR"/>
           </a:p>
@@ -15016,11 +15010,7 @@
           <a:p>
             <a:r>
               <a:rPr lang="es-ES_tradnl" sz="1800" dirty="0" smtClean="0"/>
-              <a:t>Mecanismo fundamental para el ocultamient</a:t>
-            </a:r>
-            <a:r>
-              <a:rPr lang="es-ES_tradnl" sz="1800" dirty="0" smtClean="0"/>
-              <a:t>o de la información.</a:t>
+              <a:t>Mecanismo fundamental para el ocultamiento de la información.</a:t>
             </a:r>
             <a:endParaRPr lang="es-AR" sz="1800" dirty="0"/>
           </a:p>
@@ -15058,23 +15048,7 @@
                   <a:schemeClr val="tx2"/>
                 </a:solidFill>
               </a:rPr>
-              <a:t>Clase abstracta </a:t>
-            </a:r>
-            <a:r>
-              <a:rPr lang="es-AR" sz="1800" dirty="0">
-                <a:solidFill>
-                  <a:schemeClr val="tx2"/>
-                </a:solidFill>
-              </a:rPr>
-              <a:t>contiene </a:t>
-            </a:r>
-            <a:r>
-              <a:rPr lang="es-AR" sz="1800" dirty="0">
-                <a:solidFill>
-                  <a:schemeClr val="tx2"/>
-                </a:solidFill>
-              </a:rPr>
-              <a:t>miembros </a:t>
+              <a:t>Clase abstracta contiene miembros </a:t>
             </a:r>
             <a:r>
               <a:rPr lang="es-AR" sz="1800" dirty="0" smtClean="0">
@@ -15107,55 +15081,7 @@
                   <a:schemeClr val="tx2"/>
                 </a:solidFill>
               </a:rPr>
-              <a:t>E</a:t>
-            </a:r>
-            <a:r>
-              <a:rPr lang="es-AR" sz="1800" dirty="0">
-                <a:solidFill>
-                  <a:schemeClr val="tx2"/>
-                </a:solidFill>
-              </a:rPr>
-              <a:t>stos </a:t>
-            </a:r>
-            <a:r>
-              <a:rPr lang="es-AR" sz="1800" dirty="0">
-                <a:solidFill>
-                  <a:schemeClr val="tx2"/>
-                </a:solidFill>
-              </a:rPr>
-              <a:t>miembros abstractos sólo declaran que </a:t>
-            </a:r>
-            <a:r>
-              <a:rPr lang="es-AR" sz="1800" dirty="0">
-                <a:solidFill>
-                  <a:schemeClr val="tx2"/>
-                </a:solidFill>
-              </a:rPr>
-              <a:t>es requerido un </a:t>
-            </a:r>
-            <a:r>
-              <a:rPr lang="es-AR" sz="1800" dirty="0">
-                <a:solidFill>
-                  <a:schemeClr val="tx2"/>
-                </a:solidFill>
-              </a:rPr>
-              <a:t>miembro de un tipo particular </a:t>
-            </a:r>
-            <a:r>
-              <a:rPr lang="es-AR" sz="1800" dirty="0">
-                <a:solidFill>
-                  <a:schemeClr val="tx2"/>
-                </a:solidFill>
-              </a:rPr>
-              <a:t>, </a:t>
-            </a:r>
-            <a:r>
-              <a:rPr lang="es-AR" sz="1800" dirty="0">
-                <a:solidFill>
-                  <a:schemeClr val="tx2"/>
-                </a:solidFill>
-              </a:rPr>
-              <a:t>no implementa el miembro. </a:t>
+              <a:t>Estos miembros abstractos sólo declaran que es requerido un miembro de un tipo particular , no implementa el miembro. </a:t>
             </a:r>
             <a:endParaRPr lang="es-AR" sz="1800" dirty="0" smtClean="0">
               <a:solidFill>
@@ -15185,15 +15111,7 @@
                   <a:schemeClr val="tx2"/>
                 </a:solidFill>
               </a:rPr>
-              <a:t>Implementación </a:t>
-            </a:r>
-            <a:r>
-              <a:rPr lang="es-AR" sz="1800" dirty="0">
-                <a:solidFill>
-                  <a:schemeClr val="tx2"/>
-                </a:solidFill>
-              </a:rPr>
-              <a:t>de miembros abstractos se lleva a cabo dentro de la clase derivada. </a:t>
+              <a:t>Implementación de miembros abstractos se lleva a cabo dentro de la clase derivada. </a:t>
             </a:r>
             <a:endParaRPr lang="es-AR" sz="1800" dirty="0" smtClean="0">
               <a:solidFill>
@@ -15223,31 +15141,7 @@
                   <a:schemeClr val="tx2"/>
                 </a:solidFill>
               </a:rPr>
-              <a:t>Una </a:t>
-            </a:r>
-            <a:r>
-              <a:rPr lang="es-AR" sz="1800" dirty="0">
-                <a:solidFill>
-                  <a:schemeClr val="tx2"/>
-                </a:solidFill>
-              </a:rPr>
-              <a:t>subclase que se deriva de una clase abstracta y no implementa métodos abstractos </a:t>
-            </a:r>
-            <a:r>
-              <a:rPr lang="es-AR" sz="1800" dirty="0">
-                <a:solidFill>
-                  <a:schemeClr val="tx2"/>
-                </a:solidFill>
-              </a:rPr>
-              <a:t>no </a:t>
-            </a:r>
-            <a:r>
-              <a:rPr lang="es-AR" sz="1800" dirty="0">
-                <a:solidFill>
-                  <a:schemeClr val="tx2"/>
-                </a:solidFill>
-              </a:rPr>
-              <a:t>compilará.</a:t>
+              <a:t>Una subclase que se deriva de una clase abstracta y no implementa métodos abstractos no compilará.</a:t>
             </a:r>
           </a:p>
         </p:txBody>
@@ -15269,7 +15163,7 @@
           <a:p>
             <a:fld id="{883B1876-81BC-4045-BCB4-AF75A862164B}" type="datetime1">
               <a:rPr lang="es-ES" smtClean="0"/>
-              <a:t>24/03/2014</a:t>
+              <a:t>29/03/2014</a:t>
             </a:fld>
             <a:endParaRPr lang="es-AR"/>
           </a:p>
@@ -15719,7 +15613,7 @@
           <a:p>
             <a:fld id="{7B931BDB-D443-49C2-B2F9-384EA48816DE}" type="datetime1">
               <a:rPr lang="es-ES" smtClean="0"/>
-              <a:t>24/03/2014</a:t>
+              <a:t>29/03/2014</a:t>
             </a:fld>
             <a:endParaRPr lang="es-AR" dirty="0"/>
           </a:p>
@@ -16670,7 +16564,7 @@
           <a:p>
             <a:fld id="{846E9EF9-D6A0-4106-BB8F-420359F768C5}" type="datetime1">
               <a:rPr lang="es-ES" smtClean="0"/>
-              <a:t>24/03/2014</a:t>
+              <a:t>29/03/2014</a:t>
             </a:fld>
             <a:endParaRPr lang="es-AR"/>
           </a:p>
@@ -16961,7 +16855,7 @@
           <a:p>
             <a:fld id="{418E658D-D550-4378-B9F1-AD66C90A1830}" type="datetime1">
               <a:rPr lang="es-ES" smtClean="0"/>
-              <a:t>24/03/2014</a:t>
+              <a:t>29/03/2014</a:t>
             </a:fld>
             <a:endParaRPr lang="es-AR"/>
           </a:p>
@@ -17204,7 +17098,7 @@
           <a:p>
             <a:fld id="{BA4E9A5C-D4D7-4DB3-B927-6C4CCD5EBE03}" type="datetime1">
               <a:rPr lang="es-ES" smtClean="0"/>
-              <a:t>24/03/2014</a:t>
+              <a:t>29/03/2014</a:t>
             </a:fld>
             <a:endParaRPr lang="es-AR"/>
           </a:p>
@@ -17584,7 +17478,7 @@
           <a:p>
             <a:fld id="{9E87E6C0-E44A-4DC7-BB63-90F8F9657436}" type="datetime1">
               <a:rPr lang="es-ES" smtClean="0"/>
-              <a:t>24/03/2014</a:t>
+              <a:t>29/03/2014</a:t>
             </a:fld>
             <a:endParaRPr lang="es-AR"/>
           </a:p>
@@ -18102,7 +17996,7 @@
           <a:p>
             <a:fld id="{513D9849-A8BA-4C3D-A639-169435D75E22}" type="datetime1">
               <a:rPr lang="es-ES" smtClean="0"/>
-              <a:t>24/03/2014</a:t>
+              <a:t>29/03/2014</a:t>
             </a:fld>
             <a:endParaRPr lang="es-ES"/>
           </a:p>
@@ -18366,7 +18260,7 @@
           <a:p>
             <a:fld id="{5519114C-6A88-4315-9215-982DA530DE9B}" type="datetime1">
               <a:rPr lang="es-ES" smtClean="0"/>
-              <a:t>24/03/2014</a:t>
+              <a:t>29/03/2014</a:t>
             </a:fld>
             <a:endParaRPr lang="es-AR"/>
           </a:p>
@@ -18532,7 +18426,7 @@
           <a:p>
             <a:fld id="{3B65F2BB-9279-436C-90A9-1AFD87324DAE}" type="datetime1">
               <a:rPr lang="es-ES" smtClean="0"/>
-              <a:t>24/03/2014</a:t>
+              <a:t>29/03/2014</a:t>
             </a:fld>
             <a:endParaRPr lang="es-AR"/>
           </a:p>
@@ -19168,11 +19062,7 @@
             </a:pPr>
             <a:r>
               <a:rPr lang="es-AR" sz="1400" dirty="0" smtClean="0"/>
-              <a:t>Veamos la definición de evento</a:t>
-            </a:r>
-            <a:r>
-              <a:rPr lang="es-AR" sz="1400" dirty="0" smtClean="0"/>
-              <a:t>.</a:t>
+              <a:t>Veamos la definición de evento.</a:t>
             </a:r>
           </a:p>
           <a:p>
@@ -19312,7 +19202,7 @@
           <a:p>
             <a:fld id="{FDB1B4E3-88EB-4D81-90A2-8029CA82D329}" type="datetime1">
               <a:rPr lang="es-ES" smtClean="0"/>
-              <a:t>24/03/2014</a:t>
+              <a:t>29/03/2014</a:t>
             </a:fld>
             <a:endParaRPr lang="es-AR"/>
           </a:p>
@@ -19643,6 +19533,969 @@
       </p:grpSpPr>
       <p:sp>
         <p:nvSpPr>
+          <p:cNvPr id="2" name="Marcador de contenido 1"/>
+          <p:cNvSpPr>
+            <a:spLocks noGrp="1"/>
+          </p:cNvSpPr>
+          <p:nvPr>
+            <p:ph idx="1"/>
+          </p:nvPr>
+        </p:nvSpPr>
+        <p:spPr/>
+        <p:txBody>
+          <a:bodyPr>
+            <a:normAutofit lnSpcReduction="10000"/>
+          </a:bodyPr>
+          <a:lstStyle/>
+          <a:p>
+            <a:r>
+              <a:rPr lang="es-AR" dirty="0"/>
+              <a:t>V</a:t>
+            </a:r>
+            <a:r>
+              <a:rPr lang="es-AR" dirty="0" smtClean="0"/>
+              <a:t>ersión </a:t>
+            </a:r>
+            <a:r>
+              <a:rPr lang="es-AR" dirty="0"/>
+              <a:t>2.0 del lenguaje C# y </a:t>
+            </a:r>
+            <a:r>
+              <a:rPr lang="es-AR" dirty="0" smtClean="0"/>
+              <a:t>(</a:t>
+            </a:r>
+            <a:r>
+              <a:rPr lang="es-AR" smtClean="0"/>
+              <a:t>CLR)</a:t>
+            </a:r>
+          </a:p>
+          <a:p>
+            <a:endParaRPr lang="es-AR" dirty="0" smtClean="0"/>
+          </a:p>
+          <a:p>
+            <a:r>
+              <a:rPr lang="es-AR" dirty="0" smtClean="0"/>
+              <a:t>Estos </a:t>
+            </a:r>
+            <a:r>
+              <a:rPr lang="es-AR" dirty="0"/>
+              <a:t>tipos agregan el concepto de parámetros de </a:t>
+            </a:r>
+            <a:r>
+              <a:rPr lang="es-AR" dirty="0" smtClean="0"/>
+              <a:t>tipo</a:t>
+            </a:r>
+          </a:p>
+          <a:p>
+            <a:pPr lvl="1"/>
+            <a:r>
+              <a:rPr lang="es-AR" dirty="0" smtClean="0"/>
+              <a:t>permite </a:t>
+            </a:r>
+            <a:r>
+              <a:rPr lang="es-AR" dirty="0"/>
+              <a:t>diseñar clases y métodos que aplazan la especificación de uno o más tipos hasta que el código de cliente declara y crea una instancia de la clase o del método. </a:t>
+            </a:r>
+            <a:endParaRPr lang="es-AR" dirty="0" smtClean="0"/>
+          </a:p>
+          <a:p>
+            <a:pPr lvl="1"/>
+            <a:endParaRPr lang="es-AR" dirty="0" smtClean="0"/>
+          </a:p>
+          <a:p>
+            <a:r>
+              <a:rPr lang="es-AR" dirty="0"/>
+              <a:t>M</a:t>
+            </a:r>
+            <a:r>
+              <a:rPr lang="es-AR" dirty="0" smtClean="0"/>
+              <a:t>ediante </a:t>
+            </a:r>
+            <a:r>
+              <a:rPr lang="es-AR" dirty="0"/>
+              <a:t>la utilización de un parámetro de tipo genérico T, se puede escribir una clase única que otro código </a:t>
+            </a:r>
+            <a:r>
+              <a:rPr lang="es-AR" dirty="0" smtClean="0"/>
+              <a:t>puede </a:t>
+            </a:r>
+            <a:r>
+              <a:rPr lang="es-AR" dirty="0"/>
+              <a:t>utilizar sin generar el costo o el riesgo de conversiones en tiempo de ejecución u operaciones de conversión </a:t>
+            </a:r>
+            <a:r>
+              <a:rPr lang="es-AR" dirty="0" err="1" smtClean="0"/>
+              <a:t>boxing</a:t>
+            </a:r>
+            <a:r>
+              <a:rPr lang="es-AR" dirty="0" smtClean="0"/>
+              <a:t>.</a:t>
+            </a:r>
+          </a:p>
+          <a:p>
+            <a:endParaRPr lang="es-AR" dirty="0"/>
+          </a:p>
+        </p:txBody>
+      </p:sp>
+      <p:sp>
+        <p:nvSpPr>
+          <p:cNvPr id="3" name="Marcador de fecha 2"/>
+          <p:cNvSpPr>
+            <a:spLocks noGrp="1"/>
+          </p:cNvSpPr>
+          <p:nvPr>
+            <p:ph type="dt" sz="half" idx="10"/>
+          </p:nvPr>
+        </p:nvSpPr>
+        <p:spPr/>
+        <p:txBody>
+          <a:bodyPr/>
+          <a:lstStyle/>
+          <a:p>
+            <a:fld id="{C6C622FA-AF83-496D-85CF-53DD47FDD18C}" type="datetime1">
+              <a:rPr lang="es-ES" smtClean="0"/>
+              <a:t>29/03/2014</a:t>
+            </a:fld>
+            <a:endParaRPr lang="es-ES"/>
+          </a:p>
+        </p:txBody>
+      </p:sp>
+      <p:sp>
+        <p:nvSpPr>
+          <p:cNvPr id="4" name="Marcador de pie de página 3"/>
+          <p:cNvSpPr>
+            <a:spLocks noGrp="1"/>
+          </p:cNvSpPr>
+          <p:nvPr>
+            <p:ph type="ftr" sz="quarter" idx="11"/>
+          </p:nvPr>
+        </p:nvSpPr>
+        <p:spPr/>
+        <p:txBody>
+          <a:bodyPr/>
+          <a:lstStyle/>
+          <a:p>
+            <a:r>
+              <a:rPr lang="es-AR" smtClean="0"/>
+              <a:t>Introducción a la Plataforma .NET – Características del Lenguaje C#</a:t>
+            </a:r>
+            <a:endParaRPr lang="es-ES"/>
+          </a:p>
+        </p:txBody>
+      </p:sp>
+      <p:sp>
+        <p:nvSpPr>
+          <p:cNvPr id="5" name="Marcador de número de diapositiva 4"/>
+          <p:cNvSpPr>
+            <a:spLocks noGrp="1"/>
+          </p:cNvSpPr>
+          <p:nvPr>
+            <p:ph type="sldNum" sz="quarter" idx="12"/>
+          </p:nvPr>
+        </p:nvSpPr>
+        <p:spPr/>
+        <p:txBody>
+          <a:bodyPr/>
+          <a:lstStyle/>
+          <a:p>
+            <a:fld id="{132FADFE-3B8F-471C-ABF0-DBC7717ECBBC}" type="slidenum">
+              <a:rPr lang="es-ES" smtClean="0"/>
+              <a:pPr/>
+              <a:t>33</a:t>
+            </a:fld>
+            <a:endParaRPr lang="es-ES"/>
+          </a:p>
+        </p:txBody>
+      </p:sp>
+      <p:sp>
+        <p:nvSpPr>
+          <p:cNvPr id="6" name="Título 5"/>
+          <p:cNvSpPr>
+            <a:spLocks noGrp="1"/>
+          </p:cNvSpPr>
+          <p:nvPr>
+            <p:ph type="title"/>
+          </p:nvPr>
+        </p:nvSpPr>
+        <p:spPr/>
+        <p:txBody>
+          <a:bodyPr/>
+          <a:lstStyle/>
+          <a:p>
+            <a:r>
+              <a:rPr lang="es-ES_tradnl" dirty="0" smtClean="0"/>
+              <a:t>Genéricos</a:t>
+            </a:r>
+            <a:endParaRPr lang="es-AR" dirty="0"/>
+          </a:p>
+        </p:txBody>
+      </p:sp>
+    </p:spTree>
+    <p:extLst>
+      <p:ext uri="{BB962C8B-B14F-4D97-AF65-F5344CB8AC3E}">
+        <p14:creationId xmlns:p14="http://schemas.microsoft.com/office/powerpoint/2010/main" val="1822197966"/>
+      </p:ext>
+    </p:extLst>
+  </p:cSld>
+  <p:clrMapOvr>
+    <a:masterClrMapping/>
+  </p:clrMapOvr>
+</p:sld>
+</file>
+
+<file path=ppt/slides/slide34.xml><?xml version="1.0" encoding="utf-8"?>
+<p:sld xmlns:a="http://schemas.openxmlformats.org/drawingml/2006/main" xmlns:r="http://schemas.openxmlformats.org/officeDocument/2006/relationships" xmlns:p="http://schemas.openxmlformats.org/presentationml/2006/main">
+  <p:cSld>
+    <p:spTree>
+      <p:nvGrpSpPr>
+        <p:cNvPr id="1" name=""/>
+        <p:cNvGrpSpPr/>
+        <p:nvPr/>
+      </p:nvGrpSpPr>
+      <p:grpSpPr>
+        <a:xfrm>
+          <a:off x="0" y="0"/>
+          <a:ext cx="0" cy="0"/>
+          <a:chOff x="0" y="0"/>
+          <a:chExt cx="0" cy="0"/>
+        </a:xfrm>
+      </p:grpSpPr>
+      <p:sp>
+        <p:nvSpPr>
+          <p:cNvPr id="2" name="Marcador de contenido 1"/>
+          <p:cNvSpPr>
+            <a:spLocks noGrp="1"/>
+          </p:cNvSpPr>
+          <p:nvPr>
+            <p:ph idx="1"/>
+          </p:nvPr>
+        </p:nvSpPr>
+        <p:spPr>
+          <a:xfrm>
+            <a:off x="395536" y="1824466"/>
+            <a:ext cx="3584793" cy="4301697"/>
+          </a:xfrm>
+        </p:spPr>
+        <p:txBody>
+          <a:bodyPr/>
+          <a:lstStyle/>
+          <a:p>
+            <a:r>
+              <a:rPr lang="es-ES_tradnl" dirty="0" smtClean="0"/>
+              <a:t>Es un nivel mas de abstracción y ocultamiento de la información.</a:t>
+            </a:r>
+          </a:p>
+          <a:p>
+            <a:endParaRPr lang="es-ES_tradnl" dirty="0" smtClean="0"/>
+          </a:p>
+          <a:p>
+            <a:r>
+              <a:rPr lang="es-ES_tradnl" dirty="0" smtClean="0"/>
+              <a:t>Un </a:t>
+            </a:r>
+            <a:r>
+              <a:rPr lang="es-ES_tradnl" dirty="0" err="1" smtClean="0"/>
+              <a:t>template</a:t>
+            </a:r>
+            <a:r>
+              <a:rPr lang="es-ES_tradnl" dirty="0" smtClean="0"/>
+              <a:t> que puede ser usado por distintos tipos requeridos por el programador.</a:t>
+            </a:r>
+            <a:endParaRPr lang="es-AR" dirty="0"/>
+          </a:p>
+        </p:txBody>
+      </p:sp>
+      <p:sp>
+        <p:nvSpPr>
+          <p:cNvPr id="3" name="Marcador de fecha 2"/>
+          <p:cNvSpPr>
+            <a:spLocks noGrp="1"/>
+          </p:cNvSpPr>
+          <p:nvPr>
+            <p:ph type="dt" sz="half" idx="10"/>
+          </p:nvPr>
+        </p:nvSpPr>
+        <p:spPr/>
+        <p:txBody>
+          <a:bodyPr/>
+          <a:lstStyle/>
+          <a:p>
+            <a:fld id="{C6C622FA-AF83-496D-85CF-53DD47FDD18C}" type="datetime1">
+              <a:rPr lang="es-ES" smtClean="0"/>
+              <a:t>29/03/2014</a:t>
+            </a:fld>
+            <a:endParaRPr lang="es-ES" dirty="0"/>
+          </a:p>
+        </p:txBody>
+      </p:sp>
+      <p:sp>
+        <p:nvSpPr>
+          <p:cNvPr id="4" name="Marcador de pie de página 3"/>
+          <p:cNvSpPr>
+            <a:spLocks noGrp="1"/>
+          </p:cNvSpPr>
+          <p:nvPr>
+            <p:ph type="ftr" sz="quarter" idx="11"/>
+          </p:nvPr>
+        </p:nvSpPr>
+        <p:spPr/>
+        <p:txBody>
+          <a:bodyPr/>
+          <a:lstStyle/>
+          <a:p>
+            <a:r>
+              <a:rPr lang="es-AR" smtClean="0"/>
+              <a:t>Introducción a la Plataforma .NET – Características del Lenguaje C#</a:t>
+            </a:r>
+            <a:endParaRPr lang="es-ES"/>
+          </a:p>
+        </p:txBody>
+      </p:sp>
+      <p:sp>
+        <p:nvSpPr>
+          <p:cNvPr id="5" name="Marcador de número de diapositiva 4"/>
+          <p:cNvSpPr>
+            <a:spLocks noGrp="1"/>
+          </p:cNvSpPr>
+          <p:nvPr>
+            <p:ph type="sldNum" sz="quarter" idx="12"/>
+          </p:nvPr>
+        </p:nvSpPr>
+        <p:spPr/>
+        <p:txBody>
+          <a:bodyPr/>
+          <a:lstStyle/>
+          <a:p>
+            <a:fld id="{132FADFE-3B8F-471C-ABF0-DBC7717ECBBC}" type="slidenum">
+              <a:rPr lang="es-ES" smtClean="0"/>
+              <a:pPr/>
+              <a:t>34</a:t>
+            </a:fld>
+            <a:endParaRPr lang="es-ES"/>
+          </a:p>
+        </p:txBody>
+      </p:sp>
+      <p:sp>
+        <p:nvSpPr>
+          <p:cNvPr id="6" name="Título 5"/>
+          <p:cNvSpPr>
+            <a:spLocks noGrp="1"/>
+          </p:cNvSpPr>
+          <p:nvPr>
+            <p:ph type="title"/>
+          </p:nvPr>
+        </p:nvSpPr>
+        <p:spPr/>
+        <p:txBody>
+          <a:bodyPr/>
+          <a:lstStyle/>
+          <a:p>
+            <a:r>
+              <a:rPr lang="es-ES_tradnl" dirty="0" smtClean="0"/>
+              <a:t>Genéricos</a:t>
+            </a:r>
+            <a:endParaRPr lang="es-AR" dirty="0"/>
+          </a:p>
+        </p:txBody>
+      </p:sp>
+      <p:sp>
+        <p:nvSpPr>
+          <p:cNvPr id="7" name="Marcador de contenido 1"/>
+          <p:cNvSpPr txBox="1">
+            <a:spLocks/>
+          </p:cNvSpPr>
+          <p:nvPr/>
+        </p:nvSpPr>
+        <p:spPr>
+          <a:xfrm>
+            <a:off x="4572000" y="1829782"/>
+            <a:ext cx="4114800" cy="4301697"/>
+          </a:xfrm>
+          <a:prstGeom prst="rect">
+            <a:avLst/>
+          </a:prstGeom>
+        </p:spPr>
+        <p:txBody>
+          <a:bodyPr vert="horz" lIns="91440" tIns="45720" rIns="91440" bIns="45720" rtlCol="0">
+            <a:normAutofit/>
+          </a:bodyPr>
+          <a:lstStyle>
+            <a:lvl1pPr marL="274320" indent="-274320" algn="l" defTabSz="914400" rtl="0" eaLnBrk="1" latinLnBrk="0" hangingPunct="1">
+              <a:spcBef>
+                <a:spcPct val="20000"/>
+              </a:spcBef>
+              <a:buClr>
+                <a:schemeClr val="accent1"/>
+              </a:buClr>
+              <a:buSzPct val="100000"/>
+              <a:buFont typeface="Symbol" pitchFamily="18" charset="2"/>
+              <a:buChar char=""/>
+              <a:defRPr sz="2400" kern="1200">
+                <a:solidFill>
+                  <a:schemeClr val="tx2"/>
+                </a:solidFill>
+                <a:latin typeface="+mn-lt"/>
+                <a:ea typeface="+mn-ea"/>
+                <a:cs typeface="+mn-cs"/>
+              </a:defRPr>
+            </a:lvl1pPr>
+            <a:lvl2pPr marL="576263" indent="-274320" algn="l" defTabSz="914400" rtl="0" eaLnBrk="1" latinLnBrk="0" hangingPunct="1">
+              <a:spcBef>
+                <a:spcPct val="20000"/>
+              </a:spcBef>
+              <a:buClr>
+                <a:schemeClr val="accent1"/>
+              </a:buClr>
+              <a:buSzPct val="100000"/>
+              <a:buFont typeface="Symbol" pitchFamily="18" charset="2"/>
+              <a:buChar char=""/>
+              <a:defRPr sz="2200" kern="1200">
+                <a:solidFill>
+                  <a:schemeClr val="tx2"/>
+                </a:solidFill>
+                <a:latin typeface="+mn-lt"/>
+                <a:ea typeface="+mn-ea"/>
+                <a:cs typeface="+mn-cs"/>
+              </a:defRPr>
+            </a:lvl2pPr>
+            <a:lvl3pPr marL="855663" indent="-228600" algn="l" defTabSz="914400" rtl="0" eaLnBrk="1" latinLnBrk="0" hangingPunct="1">
+              <a:spcBef>
+                <a:spcPct val="20000"/>
+              </a:spcBef>
+              <a:buClr>
+                <a:schemeClr val="accent1"/>
+              </a:buClr>
+              <a:buSzPct val="100000"/>
+              <a:buFont typeface="Symbol" pitchFamily="18" charset="2"/>
+              <a:buChar char=""/>
+              <a:defRPr sz="2000" kern="1200">
+                <a:solidFill>
+                  <a:schemeClr val="tx2"/>
+                </a:solidFill>
+                <a:latin typeface="+mn-lt"/>
+                <a:ea typeface="+mn-ea"/>
+                <a:cs typeface="+mn-cs"/>
+              </a:defRPr>
+            </a:lvl3pPr>
+            <a:lvl4pPr marL="1143000" indent="-228600" algn="l" defTabSz="914400" rtl="0" eaLnBrk="1" latinLnBrk="0" hangingPunct="1">
+              <a:spcBef>
+                <a:spcPct val="20000"/>
+              </a:spcBef>
+              <a:buClr>
+                <a:schemeClr val="accent1"/>
+              </a:buClr>
+              <a:buSzPct val="100000"/>
+              <a:buFont typeface="Symbol" pitchFamily="18" charset="2"/>
+              <a:buChar char=""/>
+              <a:defRPr sz="1800" kern="1200">
+                <a:solidFill>
+                  <a:schemeClr val="tx2"/>
+                </a:solidFill>
+                <a:latin typeface="+mn-lt"/>
+                <a:ea typeface="+mn-ea"/>
+                <a:cs typeface="+mn-cs"/>
+              </a:defRPr>
+            </a:lvl4pPr>
+            <a:lvl5pPr marL="1463040" indent="-228600" algn="l" defTabSz="914400" rtl="0" eaLnBrk="1" latinLnBrk="0" hangingPunct="1">
+              <a:spcBef>
+                <a:spcPct val="20000"/>
+              </a:spcBef>
+              <a:buClr>
+                <a:schemeClr val="accent1"/>
+              </a:buClr>
+              <a:buSzPct val="100000"/>
+              <a:buFont typeface="Symbol" pitchFamily="18" charset="2"/>
+              <a:buChar char=""/>
+              <a:defRPr sz="1600" kern="1200">
+                <a:solidFill>
+                  <a:schemeClr val="tx2"/>
+                </a:solidFill>
+                <a:latin typeface="+mn-lt"/>
+                <a:ea typeface="+mn-ea"/>
+                <a:cs typeface="+mn-cs"/>
+              </a:defRPr>
+            </a:lvl5pPr>
+            <a:lvl6pPr marL="1783080" indent="-228600" algn="l" defTabSz="914400" rtl="0" eaLnBrk="1" latinLnBrk="0" hangingPunct="1">
+              <a:spcBef>
+                <a:spcPts val="384"/>
+              </a:spcBef>
+              <a:buClr>
+                <a:schemeClr val="accent1"/>
+              </a:buClr>
+              <a:buFont typeface="Symbol" pitchFamily="18" charset="2"/>
+              <a:buChar char="*"/>
+              <a:defRPr sz="1400" kern="1200">
+                <a:solidFill>
+                  <a:schemeClr val="tx2"/>
+                </a:solidFill>
+                <a:latin typeface="+mn-lt"/>
+                <a:ea typeface="+mn-ea"/>
+                <a:cs typeface="+mn-cs"/>
+              </a:defRPr>
+            </a:lvl6pPr>
+            <a:lvl7pPr marL="2103120" indent="-228600" algn="l" defTabSz="914400" rtl="0" eaLnBrk="1" latinLnBrk="0" hangingPunct="1">
+              <a:spcBef>
+                <a:spcPts val="384"/>
+              </a:spcBef>
+              <a:buClr>
+                <a:schemeClr val="accent1"/>
+              </a:buClr>
+              <a:buFont typeface="Symbol" pitchFamily="18" charset="2"/>
+              <a:buChar char="*"/>
+              <a:defRPr sz="1400" kern="1200">
+                <a:solidFill>
+                  <a:schemeClr val="tx2"/>
+                </a:solidFill>
+                <a:latin typeface="+mn-lt"/>
+                <a:ea typeface="+mn-ea"/>
+                <a:cs typeface="+mn-cs"/>
+              </a:defRPr>
+            </a:lvl7pPr>
+            <a:lvl8pPr marL="2423160" indent="-228600" algn="l" defTabSz="914400" rtl="0" eaLnBrk="1" latinLnBrk="0" hangingPunct="1">
+              <a:spcBef>
+                <a:spcPts val="384"/>
+              </a:spcBef>
+              <a:buClr>
+                <a:schemeClr val="accent1"/>
+              </a:buClr>
+              <a:buFont typeface="Symbol" pitchFamily="18" charset="2"/>
+              <a:buChar char="*"/>
+              <a:defRPr sz="1400" kern="1200">
+                <a:solidFill>
+                  <a:schemeClr val="tx2"/>
+                </a:solidFill>
+                <a:latin typeface="+mn-lt"/>
+                <a:ea typeface="+mn-ea"/>
+                <a:cs typeface="+mn-cs"/>
+              </a:defRPr>
+            </a:lvl8pPr>
+            <a:lvl9pPr marL="2743200" indent="-228600" algn="l" defTabSz="914400" rtl="0" eaLnBrk="1" latinLnBrk="0" hangingPunct="1">
+              <a:spcBef>
+                <a:spcPts val="384"/>
+              </a:spcBef>
+              <a:buClr>
+                <a:schemeClr val="accent1"/>
+              </a:buClr>
+              <a:buFont typeface="Symbol" pitchFamily="18" charset="2"/>
+              <a:buChar char="*"/>
+              <a:defRPr sz="1400" kern="1200">
+                <a:solidFill>
+                  <a:schemeClr val="tx2"/>
+                </a:solidFill>
+                <a:latin typeface="+mn-lt"/>
+                <a:ea typeface="+mn-ea"/>
+                <a:cs typeface="+mn-cs"/>
+              </a:defRPr>
+            </a:lvl9pPr>
+          </a:lstStyle>
+          <a:p>
+            <a:r>
+              <a:rPr lang="es-ES_tradnl" sz="1800" dirty="0" smtClean="0"/>
+              <a:t>Método </a:t>
+            </a:r>
+            <a:r>
+              <a:rPr lang="es-ES_tradnl" sz="1800" dirty="0" err="1" smtClean="0"/>
+              <a:t>Generico</a:t>
+            </a:r>
+            <a:endParaRPr lang="es-ES_tradnl" sz="1800" dirty="0" smtClean="0"/>
+          </a:p>
+          <a:p>
+            <a:pPr marL="0" indent="0">
+              <a:buNone/>
+            </a:pPr>
+            <a:endParaRPr lang="es-ES_tradnl" sz="1800" dirty="0"/>
+          </a:p>
+          <a:p>
+            <a:pPr marL="0" indent="0">
+              <a:buNone/>
+            </a:pPr>
+            <a:r>
+              <a:rPr lang="en-IE" sz="1800" dirty="0">
+                <a:latin typeface="Courier New" pitchFamily="49" charset="0"/>
+                <a:cs typeface="Courier New" pitchFamily="49" charset="0"/>
+              </a:rPr>
+              <a:t>// </a:t>
+            </a:r>
+            <a:r>
+              <a:rPr lang="en-IE" sz="1800" dirty="0" smtClean="0">
+                <a:latin typeface="Courier New" pitchFamily="49" charset="0"/>
+                <a:cs typeface="Courier New" pitchFamily="49" charset="0"/>
+              </a:rPr>
+              <a:t>Define un </a:t>
+            </a:r>
+            <a:r>
+              <a:rPr lang="en-IE" sz="1800" dirty="0" err="1" smtClean="0">
+                <a:latin typeface="Courier New" pitchFamily="49" charset="0"/>
+                <a:cs typeface="Courier New" pitchFamily="49" charset="0"/>
+              </a:rPr>
+              <a:t>método</a:t>
+            </a:r>
+            <a:r>
+              <a:rPr lang="en-IE" sz="1800" dirty="0" smtClean="0">
+                <a:latin typeface="Courier New" pitchFamily="49" charset="0"/>
+                <a:cs typeface="Courier New" pitchFamily="49" charset="0"/>
+              </a:rPr>
+              <a:t> </a:t>
+            </a:r>
+            <a:r>
+              <a:rPr lang="en-IE" sz="1800" dirty="0" err="1" smtClean="0">
+                <a:latin typeface="Courier New" pitchFamily="49" charset="0"/>
+                <a:cs typeface="Courier New" pitchFamily="49" charset="0"/>
+              </a:rPr>
+              <a:t>generico</a:t>
+            </a:r>
+            <a:endParaRPr lang="en-IE" sz="1800" dirty="0">
+              <a:latin typeface="Courier New" pitchFamily="49" charset="0"/>
+              <a:cs typeface="Courier New" pitchFamily="49" charset="0"/>
+            </a:endParaRPr>
+          </a:p>
+          <a:p>
+            <a:pPr marL="0" indent="0">
+              <a:buNone/>
+            </a:pPr>
+            <a:r>
+              <a:rPr lang="en-IE" sz="1800" dirty="0">
+                <a:latin typeface="Courier New" pitchFamily="49" charset="0"/>
+                <a:cs typeface="Courier New" pitchFamily="49" charset="0"/>
+              </a:rPr>
+              <a:t>static void </a:t>
+            </a:r>
+            <a:r>
+              <a:rPr lang="en-IE" sz="1800" dirty="0" err="1" smtClean="0">
+                <a:latin typeface="Courier New" pitchFamily="49" charset="0"/>
+                <a:cs typeface="Courier New" pitchFamily="49" charset="0"/>
+              </a:rPr>
+              <a:t>Salida</a:t>
+            </a:r>
+            <a:r>
+              <a:rPr lang="en-IE" sz="1800" dirty="0" smtClean="0">
+                <a:latin typeface="Courier New" pitchFamily="49" charset="0"/>
+                <a:cs typeface="Courier New" pitchFamily="49" charset="0"/>
+              </a:rPr>
+              <a:t>&lt; </a:t>
+            </a:r>
+            <a:r>
+              <a:rPr lang="en-IE" sz="1800" dirty="0">
+                <a:latin typeface="Courier New" pitchFamily="49" charset="0"/>
+                <a:cs typeface="Courier New" pitchFamily="49" charset="0"/>
+              </a:rPr>
+              <a:t>T &gt; (T </a:t>
+            </a:r>
+            <a:r>
+              <a:rPr lang="en-IE" sz="1800" dirty="0" err="1" smtClean="0">
+                <a:latin typeface="Courier New" pitchFamily="49" charset="0"/>
+                <a:cs typeface="Courier New" pitchFamily="49" charset="0"/>
+              </a:rPr>
+              <a:t>Cosa</a:t>
+            </a:r>
+            <a:r>
+              <a:rPr lang="en-IE" sz="1800" dirty="0" smtClean="0">
+                <a:latin typeface="Courier New" pitchFamily="49" charset="0"/>
+                <a:cs typeface="Courier New" pitchFamily="49" charset="0"/>
+              </a:rPr>
+              <a:t>) </a:t>
+            </a:r>
+            <a:r>
+              <a:rPr lang="en-IE" sz="1800" dirty="0">
+                <a:latin typeface="Courier New" pitchFamily="49" charset="0"/>
+                <a:cs typeface="Courier New" pitchFamily="49" charset="0"/>
+              </a:rPr>
+              <a:t>{</a:t>
+            </a:r>
+          </a:p>
+          <a:p>
+            <a:pPr marL="0" indent="0">
+              <a:buNone/>
+            </a:pPr>
+            <a:r>
+              <a:rPr lang="en-IE" sz="1800" dirty="0" err="1">
+                <a:latin typeface="Courier New" pitchFamily="49" charset="0"/>
+                <a:cs typeface="Courier New" pitchFamily="49" charset="0"/>
+              </a:rPr>
+              <a:t>Console.WriteLine</a:t>
+            </a:r>
+            <a:r>
+              <a:rPr lang="en-IE" sz="1800" dirty="0" smtClean="0">
+                <a:latin typeface="Courier New" pitchFamily="49" charset="0"/>
+                <a:cs typeface="Courier New" pitchFamily="49" charset="0"/>
+              </a:rPr>
+              <a:t>(“</a:t>
+            </a:r>
+            <a:r>
+              <a:rPr lang="en-IE" sz="1800" dirty="0" err="1" smtClean="0">
+                <a:latin typeface="Courier New" pitchFamily="49" charset="0"/>
+                <a:cs typeface="Courier New" pitchFamily="49" charset="0"/>
+              </a:rPr>
+              <a:t>Cosa</a:t>
+            </a:r>
+            <a:r>
+              <a:rPr lang="en-IE" sz="1800" dirty="0" smtClean="0">
+                <a:latin typeface="Courier New" pitchFamily="49" charset="0"/>
+                <a:cs typeface="Courier New" pitchFamily="49" charset="0"/>
+              </a:rPr>
+              <a:t>: </a:t>
+            </a:r>
+            <a:r>
+              <a:rPr lang="en-IE" sz="1800" dirty="0">
+                <a:latin typeface="Courier New" pitchFamily="49" charset="0"/>
+                <a:cs typeface="Courier New" pitchFamily="49" charset="0"/>
+              </a:rPr>
+              <a:t>{0}”, </a:t>
+            </a:r>
+            <a:r>
+              <a:rPr lang="en-IE" sz="1800" dirty="0" err="1" smtClean="0">
+                <a:latin typeface="Courier New" pitchFamily="49" charset="0"/>
+                <a:cs typeface="Courier New" pitchFamily="49" charset="0"/>
+              </a:rPr>
+              <a:t>Cosa</a:t>
+            </a:r>
+            <a:r>
+              <a:rPr lang="en-IE" sz="1800" dirty="0" smtClean="0">
+                <a:latin typeface="Courier New" pitchFamily="49" charset="0"/>
+                <a:cs typeface="Courier New" pitchFamily="49" charset="0"/>
+              </a:rPr>
+              <a:t>); </a:t>
+            </a:r>
+            <a:r>
+              <a:rPr lang="en-IE" sz="1800" dirty="0">
+                <a:latin typeface="Courier New" pitchFamily="49" charset="0"/>
+                <a:cs typeface="Courier New" pitchFamily="49" charset="0"/>
+              </a:rPr>
+              <a:t>}</a:t>
+            </a:r>
+          </a:p>
+          <a:p>
+            <a:pPr marL="0" indent="0">
+              <a:buNone/>
+            </a:pPr>
+            <a:endParaRPr lang="en-IE" sz="1800" dirty="0">
+              <a:latin typeface="Courier New" pitchFamily="49" charset="0"/>
+              <a:cs typeface="Courier New" pitchFamily="49" charset="0"/>
+            </a:endParaRPr>
+          </a:p>
+          <a:p>
+            <a:pPr marL="0" indent="0">
+              <a:buNone/>
+            </a:pPr>
+            <a:r>
+              <a:rPr lang="en-IE" sz="1800" dirty="0" smtClean="0">
+                <a:latin typeface="Courier New" pitchFamily="49" charset="0"/>
+                <a:cs typeface="Courier New" pitchFamily="49" charset="0"/>
+              </a:rPr>
+              <a:t>//</a:t>
+            </a:r>
+            <a:r>
+              <a:rPr lang="en-IE" sz="1800" dirty="0" err="1" smtClean="0">
+                <a:latin typeface="Courier New" pitchFamily="49" charset="0"/>
+                <a:cs typeface="Courier New" pitchFamily="49" charset="0"/>
+              </a:rPr>
+              <a:t>metodo</a:t>
+            </a:r>
+            <a:r>
+              <a:rPr lang="en-IE" sz="1800" dirty="0" smtClean="0">
+                <a:latin typeface="Courier New" pitchFamily="49" charset="0"/>
+                <a:cs typeface="Courier New" pitchFamily="49" charset="0"/>
+              </a:rPr>
+              <a:t> para string y Int</a:t>
+            </a:r>
+            <a:r>
+              <a:rPr lang="en-IE" sz="1800" dirty="0">
+                <a:latin typeface="Courier New" pitchFamily="49" charset="0"/>
+                <a:cs typeface="Courier New" pitchFamily="49" charset="0"/>
+              </a:rPr>
+              <a:t>.</a:t>
+            </a:r>
+          </a:p>
+          <a:p>
+            <a:pPr marL="0" indent="0">
+              <a:buNone/>
+            </a:pPr>
+            <a:endParaRPr lang="en-IE" sz="1800" dirty="0">
+              <a:latin typeface="Courier New" pitchFamily="49" charset="0"/>
+              <a:cs typeface="Courier New" pitchFamily="49" charset="0"/>
+            </a:endParaRPr>
+          </a:p>
+          <a:p>
+            <a:pPr marL="0" indent="0">
+              <a:buNone/>
+            </a:pPr>
+            <a:r>
+              <a:rPr lang="en-IE" sz="1800" dirty="0" err="1" smtClean="0">
+                <a:latin typeface="Courier New" pitchFamily="49" charset="0"/>
+                <a:cs typeface="Courier New" pitchFamily="49" charset="0"/>
+              </a:rPr>
+              <a:t>Salida</a:t>
+            </a:r>
+            <a:r>
+              <a:rPr lang="en-IE" sz="1800" dirty="0" smtClean="0">
+                <a:latin typeface="Courier New" pitchFamily="49" charset="0"/>
+                <a:cs typeface="Courier New" pitchFamily="49" charset="0"/>
+              </a:rPr>
+              <a:t>&lt; </a:t>
+            </a:r>
+            <a:r>
+              <a:rPr lang="en-IE" sz="1800" dirty="0">
+                <a:latin typeface="Courier New" pitchFamily="49" charset="0"/>
+                <a:cs typeface="Courier New" pitchFamily="49" charset="0"/>
+              </a:rPr>
+              <a:t>string &gt; </a:t>
+            </a:r>
+            <a:r>
+              <a:rPr lang="en-IE" sz="1800" dirty="0" smtClean="0">
+                <a:latin typeface="Courier New" pitchFamily="49" charset="0"/>
+                <a:cs typeface="Courier New" pitchFamily="49" charset="0"/>
+              </a:rPr>
+              <a:t>(“</a:t>
+            </a:r>
+            <a:r>
+              <a:rPr lang="en-IE" sz="1800" dirty="0" err="1" smtClean="0">
+                <a:latin typeface="Courier New" pitchFamily="49" charset="0"/>
+                <a:cs typeface="Courier New" pitchFamily="49" charset="0"/>
+              </a:rPr>
+              <a:t>Una</a:t>
+            </a:r>
+            <a:r>
+              <a:rPr lang="en-IE" sz="1800" dirty="0" smtClean="0">
+                <a:latin typeface="Courier New" pitchFamily="49" charset="0"/>
+                <a:cs typeface="Courier New" pitchFamily="49" charset="0"/>
+              </a:rPr>
+              <a:t> </a:t>
+            </a:r>
+            <a:r>
+              <a:rPr lang="en-IE" sz="1800" dirty="0" err="1" smtClean="0">
+                <a:latin typeface="Courier New" pitchFamily="49" charset="0"/>
+                <a:cs typeface="Courier New" pitchFamily="49" charset="0"/>
+              </a:rPr>
+              <a:t>cadena</a:t>
+            </a:r>
+            <a:r>
+              <a:rPr lang="en-IE" sz="1800" dirty="0" smtClean="0">
+                <a:latin typeface="Courier New" pitchFamily="49" charset="0"/>
+                <a:cs typeface="Courier New" pitchFamily="49" charset="0"/>
+              </a:rPr>
+              <a:t>”);</a:t>
+            </a:r>
+            <a:endParaRPr lang="en-IE" sz="1800" dirty="0">
+              <a:latin typeface="Courier New" pitchFamily="49" charset="0"/>
+              <a:cs typeface="Courier New" pitchFamily="49" charset="0"/>
+            </a:endParaRPr>
+          </a:p>
+          <a:p>
+            <a:pPr marL="0" indent="0">
+              <a:buNone/>
+            </a:pPr>
+            <a:r>
+              <a:rPr lang="en-IE" sz="1800" dirty="0" err="1" smtClean="0">
+                <a:latin typeface="Courier New" pitchFamily="49" charset="0"/>
+                <a:cs typeface="Courier New" pitchFamily="49" charset="0"/>
+              </a:rPr>
+              <a:t>Salida</a:t>
+            </a:r>
+            <a:r>
+              <a:rPr lang="en-IE" sz="1800" dirty="0" smtClean="0">
+                <a:latin typeface="Courier New" pitchFamily="49" charset="0"/>
+                <a:cs typeface="Courier New" pitchFamily="49" charset="0"/>
+              </a:rPr>
+              <a:t>&lt; </a:t>
+            </a:r>
+            <a:r>
+              <a:rPr lang="en-IE" sz="1800" dirty="0" err="1">
+                <a:latin typeface="Courier New" pitchFamily="49" charset="0"/>
+                <a:cs typeface="Courier New" pitchFamily="49" charset="0"/>
+              </a:rPr>
+              <a:t>int</a:t>
+            </a:r>
+            <a:r>
+              <a:rPr lang="en-IE" sz="1800" dirty="0">
+                <a:latin typeface="Courier New" pitchFamily="49" charset="0"/>
+                <a:cs typeface="Courier New" pitchFamily="49" charset="0"/>
+              </a:rPr>
+              <a:t> &gt; (42);</a:t>
+            </a:r>
+          </a:p>
+          <a:p>
+            <a:pPr marL="0" indent="0">
+              <a:buNone/>
+            </a:pPr>
+            <a:endParaRPr lang="es-ES_tradnl" sz="1800" dirty="0" smtClean="0"/>
+          </a:p>
+          <a:p>
+            <a:pPr marL="0" indent="0">
+              <a:buNone/>
+            </a:pPr>
+            <a:endParaRPr lang="es-AR" sz="1800" dirty="0"/>
+          </a:p>
+        </p:txBody>
+      </p:sp>
+      <p:sp>
+        <p:nvSpPr>
+          <p:cNvPr id="8" name="9 Rectángulo"/>
+          <p:cNvSpPr/>
+          <p:nvPr/>
+        </p:nvSpPr>
+        <p:spPr>
+          <a:xfrm>
+            <a:off x="394103" y="5778262"/>
+            <a:ext cx="1537600" cy="261610"/>
+          </a:xfrm>
+          <a:prstGeom prst="rect">
+            <a:avLst/>
+          </a:prstGeom>
+        </p:spPr>
+        <p:txBody>
+          <a:bodyPr wrap="none">
+            <a:spAutoFit/>
+          </a:bodyPr>
+          <a:lstStyle/>
+          <a:p>
+            <a:r>
+              <a:rPr lang="es-AR" sz="1100" dirty="0" smtClean="0"/>
+              <a:t>15. </a:t>
+            </a:r>
+            <a:r>
+              <a:rPr lang="es-AR" sz="1100" dirty="0"/>
+              <a:t>Ejemplo - </a:t>
+            </a:r>
+            <a:r>
+              <a:rPr lang="es-AR" sz="1100" dirty="0" smtClean="0"/>
+              <a:t>Genéricos</a:t>
+            </a:r>
+            <a:endParaRPr lang="es-AR" sz="1100" dirty="0"/>
+          </a:p>
+        </p:txBody>
+      </p:sp>
+    </p:spTree>
+    <p:extLst>
+      <p:ext uri="{BB962C8B-B14F-4D97-AF65-F5344CB8AC3E}">
+        <p14:creationId xmlns:p14="http://schemas.microsoft.com/office/powerpoint/2010/main" val="1075464242"/>
+      </p:ext>
+    </p:extLst>
+  </p:cSld>
+  <p:clrMapOvr>
+    <a:masterClrMapping/>
+  </p:clrMapOvr>
+</p:sld>
+</file>
+
+<file path=ppt/slides/slide35.xml><?xml version="1.0" encoding="utf-8"?>
+<p:sld xmlns:a="http://schemas.openxmlformats.org/drawingml/2006/main" xmlns:r="http://schemas.openxmlformats.org/officeDocument/2006/relationships" xmlns:p="http://schemas.openxmlformats.org/presentationml/2006/main">
+  <p:cSld>
+    <p:spTree>
+      <p:nvGrpSpPr>
+        <p:cNvPr id="1" name=""/>
+        <p:cNvGrpSpPr/>
+        <p:nvPr/>
+      </p:nvGrpSpPr>
+      <p:grpSpPr>
+        <a:xfrm>
+          <a:off x="0" y="0"/>
+          <a:ext cx="0" cy="0"/>
+          <a:chOff x="0" y="0"/>
+          <a:chExt cx="0" cy="0"/>
+        </a:xfrm>
+      </p:grpSpPr>
+      <p:sp>
+        <p:nvSpPr>
           <p:cNvPr id="3" name="2 Marcador de contenido"/>
           <p:cNvSpPr>
             <a:spLocks noGrp="1"/>
@@ -19713,7 +20566,7 @@
           <a:p>
             <a:fld id="{EACB1D56-5547-4BF0-995E-62CA92ABC56F}" type="datetime1">
               <a:rPr lang="es-ES" smtClean="0"/>
-              <a:t>24/03/2014</a:t>
+              <a:t>29/03/2014</a:t>
             </a:fld>
             <a:endParaRPr lang="es-AR"/>
           </a:p>
@@ -19737,7 +20590,7 @@
             <a:fld id="{E656C38E-91F2-4113-B53A-FE7556785049}" type="slidenum">
               <a:rPr lang="es-AR" smtClean="0"/>
               <a:pPr/>
-              <a:t>33</a:t>
+              <a:t>35</a:t>
             </a:fld>
             <a:endParaRPr lang="es-AR"/>
           </a:p>
@@ -19912,7 +20765,7 @@
           <a:p>
             <a:fld id="{E8C984B4-B708-4DF7-985F-B6A7B59CB069}" type="datetime1">
               <a:rPr lang="es-ES" smtClean="0"/>
-              <a:t>24/03/2014</a:t>
+              <a:t>29/03/2014</a:t>
             </a:fld>
             <a:endParaRPr lang="es-AR"/>
           </a:p>
@@ -20509,7 +21362,7 @@
           <a:p>
             <a:fld id="{BA411D31-098D-4FE2-9180-FBB16F0DFBF4}" type="datetime1">
               <a:rPr lang="es-ES" smtClean="0"/>
-              <a:t>24/03/2014</a:t>
+              <a:t>29/03/2014</a:t>
             </a:fld>
             <a:endParaRPr lang="es-AR"/>
           </a:p>
@@ -22332,7 +23185,7 @@
           <a:p>
             <a:fld id="{EF31D7CF-F435-4D3F-A0AA-4AEFAD35563F}" type="datetime1">
               <a:rPr lang="es-ES" smtClean="0"/>
-              <a:t>24/03/2014</a:t>
+              <a:t>29/03/2014</a:t>
             </a:fld>
             <a:endParaRPr lang="es-AR"/>
           </a:p>
@@ -24288,7 +25141,7 @@
           <a:p>
             <a:fld id="{6EA676D4-078B-45B8-835A-986B8DC9222A}" type="datetime1">
               <a:rPr lang="es-ES" smtClean="0"/>
-              <a:t>24/03/2014</a:t>
+              <a:t>29/03/2014</a:t>
             </a:fld>
             <a:endParaRPr lang="es-AR"/>
           </a:p>
@@ -26612,7 +27465,7 @@
           <a:p>
             <a:fld id="{5950D093-BE9E-4000-8A11-BF664B3D337B}" type="datetime1">
               <a:rPr lang="es-ES" smtClean="0"/>
-              <a:t>24/03/2014</a:t>
+              <a:t>29/03/2014</a:t>
             </a:fld>
             <a:endParaRPr lang="es-AR"/>
           </a:p>
@@ -27233,7 +28086,7 @@
           <a:p>
             <a:fld id="{E5FA0C64-5A60-459E-92CB-5ECBDD2344AC}" type="datetime1">
               <a:rPr lang="es-ES" smtClean="0"/>
-              <a:t>24/03/2014</a:t>
+              <a:t>29/03/2014</a:t>
             </a:fld>
             <a:endParaRPr lang="es-AR" dirty="0"/>
           </a:p>
